--- a/ppt 16-9/0238.受难圣言.pptx
+++ b/ppt 16-9/0238.受难圣言.pptx
@@ -5,7 +5,7 @@
     <p:sldMasterId id="2147483648" r:id="rId1"/>
   </p:sldMasterIdLst>
   <p:sldIdLst>
-    <p:sldId id="3069" r:id="rId2"/>
+    <p:sldId id="3071" r:id="rId2"/>
   </p:sldIdLst>
   <p:sldSz cx="12192000" cy="6858000"/>
   <p:notesSz cx="6858000" cy="9144000"/>
@@ -129,7 +129,7 @@
           <p:cNvPr id="2" name="标题 1">
             <a:extLst>
               <a:ext uri="{FF2B5EF4-FFF2-40B4-BE49-F238E27FC236}">
-                <a16:creationId xmlns:a16="http://schemas.microsoft.com/office/drawing/2014/main" id="{DC9352A2-3938-1F21-830F-E56A837EE768}"/>
+                <a16:creationId xmlns:a16="http://schemas.microsoft.com/office/drawing/2014/main" id="{B7BDA4FF-79F1-68D6-4E7E-4C0FE58C5754}"/>
               </a:ext>
             </a:extLst>
           </p:cNvPr>
@@ -166,7 +166,7 @@
           <p:cNvPr id="3" name="副标题 2">
             <a:extLst>
               <a:ext uri="{FF2B5EF4-FFF2-40B4-BE49-F238E27FC236}">
-                <a16:creationId xmlns:a16="http://schemas.microsoft.com/office/drawing/2014/main" id="{FAEB5844-EB94-7CA0-9522-27B32C537E6F}"/>
+                <a16:creationId xmlns:a16="http://schemas.microsoft.com/office/drawing/2014/main" id="{A66D7450-457F-5F6A-45D0-B11819450B55}"/>
               </a:ext>
             </a:extLst>
           </p:cNvPr>
@@ -236,7 +236,7 @@
           <p:cNvPr id="4" name="日期占位符 3">
             <a:extLst>
               <a:ext uri="{FF2B5EF4-FFF2-40B4-BE49-F238E27FC236}">
-                <a16:creationId xmlns:a16="http://schemas.microsoft.com/office/drawing/2014/main" id="{8196A137-F6C8-83EE-3C52-D4ADCD27E219}"/>
+                <a16:creationId xmlns:a16="http://schemas.microsoft.com/office/drawing/2014/main" id="{1B8925E6-AB6E-9461-80FF-40E08EC7814D}"/>
               </a:ext>
             </a:extLst>
           </p:cNvPr>
@@ -252,7 +252,7 @@
           <a:bodyPr/>
           <a:lstStyle/>
           <a:p>
-            <a:fld id="{B8584947-6B61-47C3-AF77-D9E317F5109A}" type="datetimeFigureOut">
+            <a:fld id="{896C7F00-411A-45AB-BAE6-8BFB80CA3F30}" type="datetimeFigureOut">
               <a:rPr lang="zh-CN" altLang="en-US" smtClean="0"/>
               <a:t>2024/3/10</a:t>
             </a:fld>
@@ -265,7 +265,7 @@
           <p:cNvPr id="5" name="页脚占位符 4">
             <a:extLst>
               <a:ext uri="{FF2B5EF4-FFF2-40B4-BE49-F238E27FC236}">
-                <a16:creationId xmlns:a16="http://schemas.microsoft.com/office/drawing/2014/main" id="{FBA0D434-0EE1-E694-0479-7D163DF25E22}"/>
+                <a16:creationId xmlns:a16="http://schemas.microsoft.com/office/drawing/2014/main" id="{D3675819-A645-0322-1C6C-6E8769BAA698}"/>
               </a:ext>
             </a:extLst>
           </p:cNvPr>
@@ -290,7 +290,7 @@
           <p:cNvPr id="6" name="灯片编号占位符 5">
             <a:extLst>
               <a:ext uri="{FF2B5EF4-FFF2-40B4-BE49-F238E27FC236}">
-                <a16:creationId xmlns:a16="http://schemas.microsoft.com/office/drawing/2014/main" id="{DF1AF184-2C2D-C815-B44A-9E6E60A02071}"/>
+                <a16:creationId xmlns:a16="http://schemas.microsoft.com/office/drawing/2014/main" id="{7E9016B3-38DE-F373-2199-E3E0D19E97FE}"/>
               </a:ext>
             </a:extLst>
           </p:cNvPr>
@@ -306,7 +306,7 @@
           <a:bodyPr/>
           <a:lstStyle/>
           <a:p>
-            <a:fld id="{67768B83-318F-4E20-A3CC-786F11965AD7}" type="slidenum">
+            <a:fld id="{09F11312-7203-4BF3-8878-09943595D477}" type="slidenum">
               <a:rPr lang="zh-CN" altLang="en-US" smtClean="0"/>
               <a:t>‹#›</a:t>
             </a:fld>
@@ -317,7 +317,7 @@
     </p:spTree>
     <p:extLst>
       <p:ext uri="{BB962C8B-B14F-4D97-AF65-F5344CB8AC3E}">
-        <p14:creationId xmlns:p14="http://schemas.microsoft.com/office/powerpoint/2010/main" val="2129693719"/>
+        <p14:creationId xmlns:p14="http://schemas.microsoft.com/office/powerpoint/2010/main" val="3268062960"/>
       </p:ext>
     </p:extLst>
   </p:cSld>
@@ -349,7 +349,7 @@
           <p:cNvPr id="2" name="标题 1">
             <a:extLst>
               <a:ext uri="{FF2B5EF4-FFF2-40B4-BE49-F238E27FC236}">
-                <a16:creationId xmlns:a16="http://schemas.microsoft.com/office/drawing/2014/main" id="{305F8519-564D-B4FB-DBD6-74ECEE4F5CE0}"/>
+                <a16:creationId xmlns:a16="http://schemas.microsoft.com/office/drawing/2014/main" id="{6BFD9E64-BD67-F5F3-E7DE-D967AF8995CB}"/>
               </a:ext>
             </a:extLst>
           </p:cNvPr>
@@ -377,7 +377,7 @@
           <p:cNvPr id="3" name="竖排文字占位符 2">
             <a:extLst>
               <a:ext uri="{FF2B5EF4-FFF2-40B4-BE49-F238E27FC236}">
-                <a16:creationId xmlns:a16="http://schemas.microsoft.com/office/drawing/2014/main" id="{6FAB2412-1848-A8FC-D557-AB5A194699E5}"/>
+                <a16:creationId xmlns:a16="http://schemas.microsoft.com/office/drawing/2014/main" id="{CB37A068-ADC5-A466-814C-6D916C8EC545}"/>
               </a:ext>
             </a:extLst>
           </p:cNvPr>
@@ -434,7 +434,7 @@
           <p:cNvPr id="4" name="日期占位符 3">
             <a:extLst>
               <a:ext uri="{FF2B5EF4-FFF2-40B4-BE49-F238E27FC236}">
-                <a16:creationId xmlns:a16="http://schemas.microsoft.com/office/drawing/2014/main" id="{F3B5F206-1193-6072-784D-365423C66924}"/>
+                <a16:creationId xmlns:a16="http://schemas.microsoft.com/office/drawing/2014/main" id="{05C7B4EA-916A-044E-BEEE-CAB4FE6E2749}"/>
               </a:ext>
             </a:extLst>
           </p:cNvPr>
@@ -450,7 +450,7 @@
           <a:bodyPr/>
           <a:lstStyle/>
           <a:p>
-            <a:fld id="{B8584947-6B61-47C3-AF77-D9E317F5109A}" type="datetimeFigureOut">
+            <a:fld id="{896C7F00-411A-45AB-BAE6-8BFB80CA3F30}" type="datetimeFigureOut">
               <a:rPr lang="zh-CN" altLang="en-US" smtClean="0"/>
               <a:t>2024/3/10</a:t>
             </a:fld>
@@ -463,7 +463,7 @@
           <p:cNvPr id="5" name="页脚占位符 4">
             <a:extLst>
               <a:ext uri="{FF2B5EF4-FFF2-40B4-BE49-F238E27FC236}">
-                <a16:creationId xmlns:a16="http://schemas.microsoft.com/office/drawing/2014/main" id="{5F938F1D-2CE2-38FF-5426-7E738191EF36}"/>
+                <a16:creationId xmlns:a16="http://schemas.microsoft.com/office/drawing/2014/main" id="{FEB96C0D-DA13-8A4A-2CEC-30B5F64E7C7B}"/>
               </a:ext>
             </a:extLst>
           </p:cNvPr>
@@ -488,7 +488,7 @@
           <p:cNvPr id="6" name="灯片编号占位符 5">
             <a:extLst>
               <a:ext uri="{FF2B5EF4-FFF2-40B4-BE49-F238E27FC236}">
-                <a16:creationId xmlns:a16="http://schemas.microsoft.com/office/drawing/2014/main" id="{2C54FAD0-2994-B121-6ED0-DA3450E7B929}"/>
+                <a16:creationId xmlns:a16="http://schemas.microsoft.com/office/drawing/2014/main" id="{5B3B4327-0302-77CA-AB27-8B09AD1D1666}"/>
               </a:ext>
             </a:extLst>
           </p:cNvPr>
@@ -504,7 +504,7 @@
           <a:bodyPr/>
           <a:lstStyle/>
           <a:p>
-            <a:fld id="{67768B83-318F-4E20-A3CC-786F11965AD7}" type="slidenum">
+            <a:fld id="{09F11312-7203-4BF3-8878-09943595D477}" type="slidenum">
               <a:rPr lang="zh-CN" altLang="en-US" smtClean="0"/>
               <a:t>‹#›</a:t>
             </a:fld>
@@ -515,7 +515,7 @@
     </p:spTree>
     <p:extLst>
       <p:ext uri="{BB962C8B-B14F-4D97-AF65-F5344CB8AC3E}">
-        <p14:creationId xmlns:p14="http://schemas.microsoft.com/office/powerpoint/2010/main" val="3306960881"/>
+        <p14:creationId xmlns:p14="http://schemas.microsoft.com/office/powerpoint/2010/main" val="126435953"/>
       </p:ext>
     </p:extLst>
   </p:cSld>
@@ -547,7 +547,7 @@
           <p:cNvPr id="2" name="竖排标题 1">
             <a:extLst>
               <a:ext uri="{FF2B5EF4-FFF2-40B4-BE49-F238E27FC236}">
-                <a16:creationId xmlns:a16="http://schemas.microsoft.com/office/drawing/2014/main" id="{852369EC-1C21-917A-C610-7FB5E863E114}"/>
+                <a16:creationId xmlns:a16="http://schemas.microsoft.com/office/drawing/2014/main" id="{97772843-7027-4726-CB3F-B97861FD9D23}"/>
               </a:ext>
             </a:extLst>
           </p:cNvPr>
@@ -580,7 +580,7 @@
           <p:cNvPr id="3" name="竖排文字占位符 2">
             <a:extLst>
               <a:ext uri="{FF2B5EF4-FFF2-40B4-BE49-F238E27FC236}">
-                <a16:creationId xmlns:a16="http://schemas.microsoft.com/office/drawing/2014/main" id="{328ED21E-2358-9A72-1B50-77D8578960B2}"/>
+                <a16:creationId xmlns:a16="http://schemas.microsoft.com/office/drawing/2014/main" id="{56AF7944-7783-0F4E-A6C4-BD429FFAAE13}"/>
               </a:ext>
             </a:extLst>
           </p:cNvPr>
@@ -642,7 +642,7 @@
           <p:cNvPr id="4" name="日期占位符 3">
             <a:extLst>
               <a:ext uri="{FF2B5EF4-FFF2-40B4-BE49-F238E27FC236}">
-                <a16:creationId xmlns:a16="http://schemas.microsoft.com/office/drawing/2014/main" id="{6E91AB74-8377-86D7-7519-1A85B3C3B6CB}"/>
+                <a16:creationId xmlns:a16="http://schemas.microsoft.com/office/drawing/2014/main" id="{D7385C00-5B3C-E0DD-8579-D5D9658E2D3F}"/>
               </a:ext>
             </a:extLst>
           </p:cNvPr>
@@ -658,7 +658,7 @@
           <a:bodyPr/>
           <a:lstStyle/>
           <a:p>
-            <a:fld id="{B8584947-6B61-47C3-AF77-D9E317F5109A}" type="datetimeFigureOut">
+            <a:fld id="{896C7F00-411A-45AB-BAE6-8BFB80CA3F30}" type="datetimeFigureOut">
               <a:rPr lang="zh-CN" altLang="en-US" smtClean="0"/>
               <a:t>2024/3/10</a:t>
             </a:fld>
@@ -671,7 +671,7 @@
           <p:cNvPr id="5" name="页脚占位符 4">
             <a:extLst>
               <a:ext uri="{FF2B5EF4-FFF2-40B4-BE49-F238E27FC236}">
-                <a16:creationId xmlns:a16="http://schemas.microsoft.com/office/drawing/2014/main" id="{376CEC97-A44C-CBA7-C762-00459881D9AC}"/>
+                <a16:creationId xmlns:a16="http://schemas.microsoft.com/office/drawing/2014/main" id="{8739E0AC-E40B-2317-021E-F136585B8D83}"/>
               </a:ext>
             </a:extLst>
           </p:cNvPr>
@@ -696,7 +696,7 @@
           <p:cNvPr id="6" name="灯片编号占位符 5">
             <a:extLst>
               <a:ext uri="{FF2B5EF4-FFF2-40B4-BE49-F238E27FC236}">
-                <a16:creationId xmlns:a16="http://schemas.microsoft.com/office/drawing/2014/main" id="{490F532D-9D97-1C6C-978B-F486082DEB47}"/>
+                <a16:creationId xmlns:a16="http://schemas.microsoft.com/office/drawing/2014/main" id="{E97F39F7-E46F-230E-8E05-8AE9D16AB007}"/>
               </a:ext>
             </a:extLst>
           </p:cNvPr>
@@ -712,7 +712,7 @@
           <a:bodyPr/>
           <a:lstStyle/>
           <a:p>
-            <a:fld id="{67768B83-318F-4E20-A3CC-786F11965AD7}" type="slidenum">
+            <a:fld id="{09F11312-7203-4BF3-8878-09943595D477}" type="slidenum">
               <a:rPr lang="zh-CN" altLang="en-US" smtClean="0"/>
               <a:t>‹#›</a:t>
             </a:fld>
@@ -723,7 +723,7 @@
     </p:spTree>
     <p:extLst>
       <p:ext uri="{BB962C8B-B14F-4D97-AF65-F5344CB8AC3E}">
-        <p14:creationId xmlns:p14="http://schemas.microsoft.com/office/powerpoint/2010/main" val="311645977"/>
+        <p14:creationId xmlns:p14="http://schemas.microsoft.com/office/powerpoint/2010/main" val="1265519537"/>
       </p:ext>
     </p:extLst>
   </p:cSld>
@@ -755,7 +755,7 @@
           <p:cNvPr id="2" name="标题 1">
             <a:extLst>
               <a:ext uri="{FF2B5EF4-FFF2-40B4-BE49-F238E27FC236}">
-                <a16:creationId xmlns:a16="http://schemas.microsoft.com/office/drawing/2014/main" id="{F1F5780A-31B7-6A75-15A0-695C4D6DC52A}"/>
+                <a16:creationId xmlns:a16="http://schemas.microsoft.com/office/drawing/2014/main" id="{46004675-AE25-EE9B-40D8-D52497D40581}"/>
               </a:ext>
             </a:extLst>
           </p:cNvPr>
@@ -783,7 +783,7 @@
           <p:cNvPr id="3" name="内容占位符 2">
             <a:extLst>
               <a:ext uri="{FF2B5EF4-FFF2-40B4-BE49-F238E27FC236}">
-                <a16:creationId xmlns:a16="http://schemas.microsoft.com/office/drawing/2014/main" id="{7B782E8D-DD17-96D3-3D30-13B1241A35C4}"/>
+                <a16:creationId xmlns:a16="http://schemas.microsoft.com/office/drawing/2014/main" id="{3A8582F5-A68A-69F8-65A2-5539C128A52C}"/>
               </a:ext>
             </a:extLst>
           </p:cNvPr>
@@ -840,7 +840,7 @@
           <p:cNvPr id="4" name="日期占位符 3">
             <a:extLst>
               <a:ext uri="{FF2B5EF4-FFF2-40B4-BE49-F238E27FC236}">
-                <a16:creationId xmlns:a16="http://schemas.microsoft.com/office/drawing/2014/main" id="{C39DC6E6-CD7D-CE06-2EEB-E7A3F081A024}"/>
+                <a16:creationId xmlns:a16="http://schemas.microsoft.com/office/drawing/2014/main" id="{438E6FDF-B8B2-765A-CE97-9A3E93D25360}"/>
               </a:ext>
             </a:extLst>
           </p:cNvPr>
@@ -856,7 +856,7 @@
           <a:bodyPr/>
           <a:lstStyle/>
           <a:p>
-            <a:fld id="{B8584947-6B61-47C3-AF77-D9E317F5109A}" type="datetimeFigureOut">
+            <a:fld id="{896C7F00-411A-45AB-BAE6-8BFB80CA3F30}" type="datetimeFigureOut">
               <a:rPr lang="zh-CN" altLang="en-US" smtClean="0"/>
               <a:t>2024/3/10</a:t>
             </a:fld>
@@ -869,7 +869,7 @@
           <p:cNvPr id="5" name="页脚占位符 4">
             <a:extLst>
               <a:ext uri="{FF2B5EF4-FFF2-40B4-BE49-F238E27FC236}">
-                <a16:creationId xmlns:a16="http://schemas.microsoft.com/office/drawing/2014/main" id="{050F2037-2862-5106-DC9B-6FF7BA4633D8}"/>
+                <a16:creationId xmlns:a16="http://schemas.microsoft.com/office/drawing/2014/main" id="{5BC4AE05-B231-3B12-CBAC-EA32FA8D08BC}"/>
               </a:ext>
             </a:extLst>
           </p:cNvPr>
@@ -894,7 +894,7 @@
           <p:cNvPr id="6" name="灯片编号占位符 5">
             <a:extLst>
               <a:ext uri="{FF2B5EF4-FFF2-40B4-BE49-F238E27FC236}">
-                <a16:creationId xmlns:a16="http://schemas.microsoft.com/office/drawing/2014/main" id="{D60C582B-D33E-6097-E859-ABA232AB63D3}"/>
+                <a16:creationId xmlns:a16="http://schemas.microsoft.com/office/drawing/2014/main" id="{71EFF6D0-C6AC-E458-934A-9DB9B56D12F5}"/>
               </a:ext>
             </a:extLst>
           </p:cNvPr>
@@ -910,7 +910,7 @@
           <a:bodyPr/>
           <a:lstStyle/>
           <a:p>
-            <a:fld id="{67768B83-318F-4E20-A3CC-786F11965AD7}" type="slidenum">
+            <a:fld id="{09F11312-7203-4BF3-8878-09943595D477}" type="slidenum">
               <a:rPr lang="zh-CN" altLang="en-US" smtClean="0"/>
               <a:t>‹#›</a:t>
             </a:fld>
@@ -921,7 +921,7 @@
     </p:spTree>
     <p:extLst>
       <p:ext uri="{BB962C8B-B14F-4D97-AF65-F5344CB8AC3E}">
-        <p14:creationId xmlns:p14="http://schemas.microsoft.com/office/powerpoint/2010/main" val="2057982039"/>
+        <p14:creationId xmlns:p14="http://schemas.microsoft.com/office/powerpoint/2010/main" val="1609382863"/>
       </p:ext>
     </p:extLst>
   </p:cSld>
@@ -953,7 +953,7 @@
           <p:cNvPr id="2" name="标题 1">
             <a:extLst>
               <a:ext uri="{FF2B5EF4-FFF2-40B4-BE49-F238E27FC236}">
-                <a16:creationId xmlns:a16="http://schemas.microsoft.com/office/drawing/2014/main" id="{B897D2C1-13C4-8E46-BAD2-0FAF4E63D141}"/>
+                <a16:creationId xmlns:a16="http://schemas.microsoft.com/office/drawing/2014/main" id="{05F4C82A-A078-48BD-BF5C-623D9E1709D2}"/>
               </a:ext>
             </a:extLst>
           </p:cNvPr>
@@ -990,7 +990,7 @@
           <p:cNvPr id="3" name="文本占位符 2">
             <a:extLst>
               <a:ext uri="{FF2B5EF4-FFF2-40B4-BE49-F238E27FC236}">
-                <a16:creationId xmlns:a16="http://schemas.microsoft.com/office/drawing/2014/main" id="{7EA93CAC-1CA9-1035-FA02-1A0362D2CD5E}"/>
+                <a16:creationId xmlns:a16="http://schemas.microsoft.com/office/drawing/2014/main" id="{3AC40738-6BDA-4993-D061-82678621F41D}"/>
               </a:ext>
             </a:extLst>
           </p:cNvPr>
@@ -1115,7 +1115,7 @@
           <p:cNvPr id="4" name="日期占位符 3">
             <a:extLst>
               <a:ext uri="{FF2B5EF4-FFF2-40B4-BE49-F238E27FC236}">
-                <a16:creationId xmlns:a16="http://schemas.microsoft.com/office/drawing/2014/main" id="{47F20E8F-5349-DCE9-A3EE-37DE2A56F8A6}"/>
+                <a16:creationId xmlns:a16="http://schemas.microsoft.com/office/drawing/2014/main" id="{63628C9C-5DB7-5777-EAA6-50F74C99B5DE}"/>
               </a:ext>
             </a:extLst>
           </p:cNvPr>
@@ -1131,7 +1131,7 @@
           <a:bodyPr/>
           <a:lstStyle/>
           <a:p>
-            <a:fld id="{B8584947-6B61-47C3-AF77-D9E317F5109A}" type="datetimeFigureOut">
+            <a:fld id="{896C7F00-411A-45AB-BAE6-8BFB80CA3F30}" type="datetimeFigureOut">
               <a:rPr lang="zh-CN" altLang="en-US" smtClean="0"/>
               <a:t>2024/3/10</a:t>
             </a:fld>
@@ -1144,7 +1144,7 @@
           <p:cNvPr id="5" name="页脚占位符 4">
             <a:extLst>
               <a:ext uri="{FF2B5EF4-FFF2-40B4-BE49-F238E27FC236}">
-                <a16:creationId xmlns:a16="http://schemas.microsoft.com/office/drawing/2014/main" id="{A658F493-4714-71F9-B11B-B957173D1B5E}"/>
+                <a16:creationId xmlns:a16="http://schemas.microsoft.com/office/drawing/2014/main" id="{A6A55B05-4DF7-83F9-2740-6881D338CEF1}"/>
               </a:ext>
             </a:extLst>
           </p:cNvPr>
@@ -1169,7 +1169,7 @@
           <p:cNvPr id="6" name="灯片编号占位符 5">
             <a:extLst>
               <a:ext uri="{FF2B5EF4-FFF2-40B4-BE49-F238E27FC236}">
-                <a16:creationId xmlns:a16="http://schemas.microsoft.com/office/drawing/2014/main" id="{3E5F136A-9428-D386-523D-E4E394BF66AA}"/>
+                <a16:creationId xmlns:a16="http://schemas.microsoft.com/office/drawing/2014/main" id="{9CF0B3E5-90CE-546C-FACC-1972D394BF05}"/>
               </a:ext>
             </a:extLst>
           </p:cNvPr>
@@ -1185,7 +1185,7 @@
           <a:bodyPr/>
           <a:lstStyle/>
           <a:p>
-            <a:fld id="{67768B83-318F-4E20-A3CC-786F11965AD7}" type="slidenum">
+            <a:fld id="{09F11312-7203-4BF3-8878-09943595D477}" type="slidenum">
               <a:rPr lang="zh-CN" altLang="en-US" smtClean="0"/>
               <a:t>‹#›</a:t>
             </a:fld>
@@ -1196,7 +1196,7 @@
     </p:spTree>
     <p:extLst>
       <p:ext uri="{BB962C8B-B14F-4D97-AF65-F5344CB8AC3E}">
-        <p14:creationId xmlns:p14="http://schemas.microsoft.com/office/powerpoint/2010/main" val="3475150144"/>
+        <p14:creationId xmlns:p14="http://schemas.microsoft.com/office/powerpoint/2010/main" val="1897363225"/>
       </p:ext>
     </p:extLst>
   </p:cSld>
@@ -1228,7 +1228,7 @@
           <p:cNvPr id="2" name="标题 1">
             <a:extLst>
               <a:ext uri="{FF2B5EF4-FFF2-40B4-BE49-F238E27FC236}">
-                <a16:creationId xmlns:a16="http://schemas.microsoft.com/office/drawing/2014/main" id="{7098A0C5-773F-CA54-8FF4-5837D684F804}"/>
+                <a16:creationId xmlns:a16="http://schemas.microsoft.com/office/drawing/2014/main" id="{34309DC0-1AF1-17EA-0ABA-4E8DC7D31E10}"/>
               </a:ext>
             </a:extLst>
           </p:cNvPr>
@@ -1256,7 +1256,7 @@
           <p:cNvPr id="3" name="内容占位符 2">
             <a:extLst>
               <a:ext uri="{FF2B5EF4-FFF2-40B4-BE49-F238E27FC236}">
-                <a16:creationId xmlns:a16="http://schemas.microsoft.com/office/drawing/2014/main" id="{D69F6C69-24E8-C9B8-EB01-FF391F6C27A7}"/>
+                <a16:creationId xmlns:a16="http://schemas.microsoft.com/office/drawing/2014/main" id="{D63682CA-3559-4357-BB65-6164E6F4E51B}"/>
               </a:ext>
             </a:extLst>
           </p:cNvPr>
@@ -1318,7 +1318,7 @@
           <p:cNvPr id="4" name="内容占位符 3">
             <a:extLst>
               <a:ext uri="{FF2B5EF4-FFF2-40B4-BE49-F238E27FC236}">
-                <a16:creationId xmlns:a16="http://schemas.microsoft.com/office/drawing/2014/main" id="{72C30BDF-7C2F-C9AE-80E3-0845398031F8}"/>
+                <a16:creationId xmlns:a16="http://schemas.microsoft.com/office/drawing/2014/main" id="{C001100C-6B90-E04D-2208-09DFF2B67B6F}"/>
               </a:ext>
             </a:extLst>
           </p:cNvPr>
@@ -1380,7 +1380,7 @@
           <p:cNvPr id="5" name="日期占位符 4">
             <a:extLst>
               <a:ext uri="{FF2B5EF4-FFF2-40B4-BE49-F238E27FC236}">
-                <a16:creationId xmlns:a16="http://schemas.microsoft.com/office/drawing/2014/main" id="{5E014B22-C8DC-CEAF-BB62-09AAABE0110B}"/>
+                <a16:creationId xmlns:a16="http://schemas.microsoft.com/office/drawing/2014/main" id="{CCD01244-CC0E-6483-5678-1E24550DA889}"/>
               </a:ext>
             </a:extLst>
           </p:cNvPr>
@@ -1396,7 +1396,7 @@
           <a:bodyPr/>
           <a:lstStyle/>
           <a:p>
-            <a:fld id="{B8584947-6B61-47C3-AF77-D9E317F5109A}" type="datetimeFigureOut">
+            <a:fld id="{896C7F00-411A-45AB-BAE6-8BFB80CA3F30}" type="datetimeFigureOut">
               <a:rPr lang="zh-CN" altLang="en-US" smtClean="0"/>
               <a:t>2024/3/10</a:t>
             </a:fld>
@@ -1409,7 +1409,7 @@
           <p:cNvPr id="6" name="页脚占位符 5">
             <a:extLst>
               <a:ext uri="{FF2B5EF4-FFF2-40B4-BE49-F238E27FC236}">
-                <a16:creationId xmlns:a16="http://schemas.microsoft.com/office/drawing/2014/main" id="{F84B40EF-51A8-BC8F-2E0F-D062B22FABF5}"/>
+                <a16:creationId xmlns:a16="http://schemas.microsoft.com/office/drawing/2014/main" id="{FB3762F3-C9DF-340F-6242-94DF85EE972C}"/>
               </a:ext>
             </a:extLst>
           </p:cNvPr>
@@ -1434,7 +1434,7 @@
           <p:cNvPr id="7" name="灯片编号占位符 6">
             <a:extLst>
               <a:ext uri="{FF2B5EF4-FFF2-40B4-BE49-F238E27FC236}">
-                <a16:creationId xmlns:a16="http://schemas.microsoft.com/office/drawing/2014/main" id="{37ADAB20-F607-AAA4-E4AF-2B53522990DD}"/>
+                <a16:creationId xmlns:a16="http://schemas.microsoft.com/office/drawing/2014/main" id="{643E6D01-C287-0345-BEB4-010275708505}"/>
               </a:ext>
             </a:extLst>
           </p:cNvPr>
@@ -1450,7 +1450,7 @@
           <a:bodyPr/>
           <a:lstStyle/>
           <a:p>
-            <a:fld id="{67768B83-318F-4E20-A3CC-786F11965AD7}" type="slidenum">
+            <a:fld id="{09F11312-7203-4BF3-8878-09943595D477}" type="slidenum">
               <a:rPr lang="zh-CN" altLang="en-US" smtClean="0"/>
               <a:t>‹#›</a:t>
             </a:fld>
@@ -1461,7 +1461,7 @@
     </p:spTree>
     <p:extLst>
       <p:ext uri="{BB962C8B-B14F-4D97-AF65-F5344CB8AC3E}">
-        <p14:creationId xmlns:p14="http://schemas.microsoft.com/office/powerpoint/2010/main" val="84978219"/>
+        <p14:creationId xmlns:p14="http://schemas.microsoft.com/office/powerpoint/2010/main" val="1463463064"/>
       </p:ext>
     </p:extLst>
   </p:cSld>
@@ -1493,7 +1493,7 @@
           <p:cNvPr id="2" name="标题 1">
             <a:extLst>
               <a:ext uri="{FF2B5EF4-FFF2-40B4-BE49-F238E27FC236}">
-                <a16:creationId xmlns:a16="http://schemas.microsoft.com/office/drawing/2014/main" id="{846216C9-4CC5-D71A-C06E-3F6E55E1C219}"/>
+                <a16:creationId xmlns:a16="http://schemas.microsoft.com/office/drawing/2014/main" id="{84CB5EBF-9B87-99F9-AED3-4F4F9F04CF5D}"/>
               </a:ext>
             </a:extLst>
           </p:cNvPr>
@@ -1526,7 +1526,7 @@
           <p:cNvPr id="3" name="文本占位符 2">
             <a:extLst>
               <a:ext uri="{FF2B5EF4-FFF2-40B4-BE49-F238E27FC236}">
-                <a16:creationId xmlns:a16="http://schemas.microsoft.com/office/drawing/2014/main" id="{2A0D8258-179E-2D22-191B-89DC545BD913}"/>
+                <a16:creationId xmlns:a16="http://schemas.microsoft.com/office/drawing/2014/main" id="{76BAFA5D-302F-7F0D-FF10-92EC10C0A824}"/>
               </a:ext>
             </a:extLst>
           </p:cNvPr>
@@ -1597,7 +1597,7 @@
           <p:cNvPr id="4" name="内容占位符 3">
             <a:extLst>
               <a:ext uri="{FF2B5EF4-FFF2-40B4-BE49-F238E27FC236}">
-                <a16:creationId xmlns:a16="http://schemas.microsoft.com/office/drawing/2014/main" id="{DB6088F4-6D7E-CA99-E585-45E40A165362}"/>
+                <a16:creationId xmlns:a16="http://schemas.microsoft.com/office/drawing/2014/main" id="{8E152613-2098-8885-7191-A6E74748CB5D}"/>
               </a:ext>
             </a:extLst>
           </p:cNvPr>
@@ -1659,7 +1659,7 @@
           <p:cNvPr id="5" name="文本占位符 4">
             <a:extLst>
               <a:ext uri="{FF2B5EF4-FFF2-40B4-BE49-F238E27FC236}">
-                <a16:creationId xmlns:a16="http://schemas.microsoft.com/office/drawing/2014/main" id="{AD48FC7A-221E-B502-64DB-CAD568942D24}"/>
+                <a16:creationId xmlns:a16="http://schemas.microsoft.com/office/drawing/2014/main" id="{AAA95C26-4305-0DD6-7200-54908AAF1B32}"/>
               </a:ext>
             </a:extLst>
           </p:cNvPr>
@@ -1730,7 +1730,7 @@
           <p:cNvPr id="6" name="内容占位符 5">
             <a:extLst>
               <a:ext uri="{FF2B5EF4-FFF2-40B4-BE49-F238E27FC236}">
-                <a16:creationId xmlns:a16="http://schemas.microsoft.com/office/drawing/2014/main" id="{2A0384EC-EE05-BD9F-402F-DFB35E6550D3}"/>
+                <a16:creationId xmlns:a16="http://schemas.microsoft.com/office/drawing/2014/main" id="{0977F9F2-70D3-A801-DD4E-7C4797D02DA7}"/>
               </a:ext>
             </a:extLst>
           </p:cNvPr>
@@ -1792,7 +1792,7 @@
           <p:cNvPr id="7" name="日期占位符 6">
             <a:extLst>
               <a:ext uri="{FF2B5EF4-FFF2-40B4-BE49-F238E27FC236}">
-                <a16:creationId xmlns:a16="http://schemas.microsoft.com/office/drawing/2014/main" id="{418EA2C3-7254-3D7D-5B63-72D53E084489}"/>
+                <a16:creationId xmlns:a16="http://schemas.microsoft.com/office/drawing/2014/main" id="{E3F68B87-389C-BE65-7EEF-F7F29401EACA}"/>
               </a:ext>
             </a:extLst>
           </p:cNvPr>
@@ -1808,7 +1808,7 @@
           <a:bodyPr/>
           <a:lstStyle/>
           <a:p>
-            <a:fld id="{B8584947-6B61-47C3-AF77-D9E317F5109A}" type="datetimeFigureOut">
+            <a:fld id="{896C7F00-411A-45AB-BAE6-8BFB80CA3F30}" type="datetimeFigureOut">
               <a:rPr lang="zh-CN" altLang="en-US" smtClean="0"/>
               <a:t>2024/3/10</a:t>
             </a:fld>
@@ -1821,7 +1821,7 @@
           <p:cNvPr id="8" name="页脚占位符 7">
             <a:extLst>
               <a:ext uri="{FF2B5EF4-FFF2-40B4-BE49-F238E27FC236}">
-                <a16:creationId xmlns:a16="http://schemas.microsoft.com/office/drawing/2014/main" id="{426F1924-ED59-AAD1-2C7A-356FAC8F6AD8}"/>
+                <a16:creationId xmlns:a16="http://schemas.microsoft.com/office/drawing/2014/main" id="{10CC6E01-045E-211A-D1C5-4066CF34C142}"/>
               </a:ext>
             </a:extLst>
           </p:cNvPr>
@@ -1846,7 +1846,7 @@
           <p:cNvPr id="9" name="灯片编号占位符 8">
             <a:extLst>
               <a:ext uri="{FF2B5EF4-FFF2-40B4-BE49-F238E27FC236}">
-                <a16:creationId xmlns:a16="http://schemas.microsoft.com/office/drawing/2014/main" id="{B00F847E-DBD4-EA79-6648-AA88EB2C4722}"/>
+                <a16:creationId xmlns:a16="http://schemas.microsoft.com/office/drawing/2014/main" id="{7198A3E9-FD4C-AC30-3729-D0814C94647B}"/>
               </a:ext>
             </a:extLst>
           </p:cNvPr>
@@ -1862,7 +1862,7 @@
           <a:bodyPr/>
           <a:lstStyle/>
           <a:p>
-            <a:fld id="{67768B83-318F-4E20-A3CC-786F11965AD7}" type="slidenum">
+            <a:fld id="{09F11312-7203-4BF3-8878-09943595D477}" type="slidenum">
               <a:rPr lang="zh-CN" altLang="en-US" smtClean="0"/>
               <a:t>‹#›</a:t>
             </a:fld>
@@ -1873,7 +1873,7 @@
     </p:spTree>
     <p:extLst>
       <p:ext uri="{BB962C8B-B14F-4D97-AF65-F5344CB8AC3E}">
-        <p14:creationId xmlns:p14="http://schemas.microsoft.com/office/powerpoint/2010/main" val="3794534560"/>
+        <p14:creationId xmlns:p14="http://schemas.microsoft.com/office/powerpoint/2010/main" val="3647520018"/>
       </p:ext>
     </p:extLst>
   </p:cSld>
@@ -1905,7 +1905,7 @@
           <p:cNvPr id="2" name="标题 1">
             <a:extLst>
               <a:ext uri="{FF2B5EF4-FFF2-40B4-BE49-F238E27FC236}">
-                <a16:creationId xmlns:a16="http://schemas.microsoft.com/office/drawing/2014/main" id="{93B8A531-32C9-07B8-576A-1C963E84064F}"/>
+                <a16:creationId xmlns:a16="http://schemas.microsoft.com/office/drawing/2014/main" id="{EE3100E9-35F6-9FE2-D5C8-3214CDA1CCE0}"/>
               </a:ext>
             </a:extLst>
           </p:cNvPr>
@@ -1933,7 +1933,7 @@
           <p:cNvPr id="3" name="日期占位符 2">
             <a:extLst>
               <a:ext uri="{FF2B5EF4-FFF2-40B4-BE49-F238E27FC236}">
-                <a16:creationId xmlns:a16="http://schemas.microsoft.com/office/drawing/2014/main" id="{65E29DEA-8D40-83C2-0670-35BF5E28077C}"/>
+                <a16:creationId xmlns:a16="http://schemas.microsoft.com/office/drawing/2014/main" id="{8E6B9E2C-95F6-8902-D046-28E6C8F13626}"/>
               </a:ext>
             </a:extLst>
           </p:cNvPr>
@@ -1949,7 +1949,7 @@
           <a:bodyPr/>
           <a:lstStyle/>
           <a:p>
-            <a:fld id="{B8584947-6B61-47C3-AF77-D9E317F5109A}" type="datetimeFigureOut">
+            <a:fld id="{896C7F00-411A-45AB-BAE6-8BFB80CA3F30}" type="datetimeFigureOut">
               <a:rPr lang="zh-CN" altLang="en-US" smtClean="0"/>
               <a:t>2024/3/10</a:t>
             </a:fld>
@@ -1962,7 +1962,7 @@
           <p:cNvPr id="4" name="页脚占位符 3">
             <a:extLst>
               <a:ext uri="{FF2B5EF4-FFF2-40B4-BE49-F238E27FC236}">
-                <a16:creationId xmlns:a16="http://schemas.microsoft.com/office/drawing/2014/main" id="{A258E28C-A5A8-EBEB-F520-5854E98996F6}"/>
+                <a16:creationId xmlns:a16="http://schemas.microsoft.com/office/drawing/2014/main" id="{9A575FB9-38B6-53D4-A7BA-0838DE50087C}"/>
               </a:ext>
             </a:extLst>
           </p:cNvPr>
@@ -1987,7 +1987,7 @@
           <p:cNvPr id="5" name="灯片编号占位符 4">
             <a:extLst>
               <a:ext uri="{FF2B5EF4-FFF2-40B4-BE49-F238E27FC236}">
-                <a16:creationId xmlns:a16="http://schemas.microsoft.com/office/drawing/2014/main" id="{0FA1666D-C28D-4029-8710-52C447945358}"/>
+                <a16:creationId xmlns:a16="http://schemas.microsoft.com/office/drawing/2014/main" id="{96A8B679-0787-5468-6D26-69C226AEF3D3}"/>
               </a:ext>
             </a:extLst>
           </p:cNvPr>
@@ -2003,7 +2003,7 @@
           <a:bodyPr/>
           <a:lstStyle/>
           <a:p>
-            <a:fld id="{67768B83-318F-4E20-A3CC-786F11965AD7}" type="slidenum">
+            <a:fld id="{09F11312-7203-4BF3-8878-09943595D477}" type="slidenum">
               <a:rPr lang="zh-CN" altLang="en-US" smtClean="0"/>
               <a:t>‹#›</a:t>
             </a:fld>
@@ -2014,7 +2014,7 @@
     </p:spTree>
     <p:extLst>
       <p:ext uri="{BB962C8B-B14F-4D97-AF65-F5344CB8AC3E}">
-        <p14:creationId xmlns:p14="http://schemas.microsoft.com/office/powerpoint/2010/main" val="1704656336"/>
+        <p14:creationId xmlns:p14="http://schemas.microsoft.com/office/powerpoint/2010/main" val="1120768195"/>
       </p:ext>
     </p:extLst>
   </p:cSld>
@@ -2046,7 +2046,7 @@
           <p:cNvPr id="2" name="日期占位符 1">
             <a:extLst>
               <a:ext uri="{FF2B5EF4-FFF2-40B4-BE49-F238E27FC236}">
-                <a16:creationId xmlns:a16="http://schemas.microsoft.com/office/drawing/2014/main" id="{90FD069B-A960-0C10-5A3C-FD301385C72B}"/>
+                <a16:creationId xmlns:a16="http://schemas.microsoft.com/office/drawing/2014/main" id="{F2B73105-A462-E3A4-7710-7637E7059101}"/>
               </a:ext>
             </a:extLst>
           </p:cNvPr>
@@ -2062,7 +2062,7 @@
           <a:bodyPr/>
           <a:lstStyle/>
           <a:p>
-            <a:fld id="{B8584947-6B61-47C3-AF77-D9E317F5109A}" type="datetimeFigureOut">
+            <a:fld id="{896C7F00-411A-45AB-BAE6-8BFB80CA3F30}" type="datetimeFigureOut">
               <a:rPr lang="zh-CN" altLang="en-US" smtClean="0"/>
               <a:t>2024/3/10</a:t>
             </a:fld>
@@ -2075,7 +2075,7 @@
           <p:cNvPr id="3" name="页脚占位符 2">
             <a:extLst>
               <a:ext uri="{FF2B5EF4-FFF2-40B4-BE49-F238E27FC236}">
-                <a16:creationId xmlns:a16="http://schemas.microsoft.com/office/drawing/2014/main" id="{8C8C2193-89D3-FFA6-C726-671FB4F16BAE}"/>
+                <a16:creationId xmlns:a16="http://schemas.microsoft.com/office/drawing/2014/main" id="{7C931794-EA8D-1E5C-E1E5-D0A7CF62D5A8}"/>
               </a:ext>
             </a:extLst>
           </p:cNvPr>
@@ -2100,7 +2100,7 @@
           <p:cNvPr id="4" name="灯片编号占位符 3">
             <a:extLst>
               <a:ext uri="{FF2B5EF4-FFF2-40B4-BE49-F238E27FC236}">
-                <a16:creationId xmlns:a16="http://schemas.microsoft.com/office/drawing/2014/main" id="{E171754C-8629-DC5D-DD00-762855605744}"/>
+                <a16:creationId xmlns:a16="http://schemas.microsoft.com/office/drawing/2014/main" id="{8D11949C-9F58-0E80-E231-F88DF08EB8CF}"/>
               </a:ext>
             </a:extLst>
           </p:cNvPr>
@@ -2116,7 +2116,7 @@
           <a:bodyPr/>
           <a:lstStyle/>
           <a:p>
-            <a:fld id="{67768B83-318F-4E20-A3CC-786F11965AD7}" type="slidenum">
+            <a:fld id="{09F11312-7203-4BF3-8878-09943595D477}" type="slidenum">
               <a:rPr lang="zh-CN" altLang="en-US" smtClean="0"/>
               <a:t>‹#›</a:t>
             </a:fld>
@@ -2127,7 +2127,7 @@
     </p:spTree>
     <p:extLst>
       <p:ext uri="{BB962C8B-B14F-4D97-AF65-F5344CB8AC3E}">
-        <p14:creationId xmlns:p14="http://schemas.microsoft.com/office/powerpoint/2010/main" val="1549889570"/>
+        <p14:creationId xmlns:p14="http://schemas.microsoft.com/office/powerpoint/2010/main" val="379385179"/>
       </p:ext>
     </p:extLst>
   </p:cSld>
@@ -2159,7 +2159,7 @@
           <p:cNvPr id="2" name="标题 1">
             <a:extLst>
               <a:ext uri="{FF2B5EF4-FFF2-40B4-BE49-F238E27FC236}">
-                <a16:creationId xmlns:a16="http://schemas.microsoft.com/office/drawing/2014/main" id="{F4BE7DE9-67FD-DF18-F8B9-C02D128CDF86}"/>
+                <a16:creationId xmlns:a16="http://schemas.microsoft.com/office/drawing/2014/main" id="{0ECF75C0-C2AD-DB12-B96F-07B3A7F284C1}"/>
               </a:ext>
             </a:extLst>
           </p:cNvPr>
@@ -2196,7 +2196,7 @@
           <p:cNvPr id="3" name="内容占位符 2">
             <a:extLst>
               <a:ext uri="{FF2B5EF4-FFF2-40B4-BE49-F238E27FC236}">
-                <a16:creationId xmlns:a16="http://schemas.microsoft.com/office/drawing/2014/main" id="{13DE305B-BD28-67B9-CF56-C1F4C680A732}"/>
+                <a16:creationId xmlns:a16="http://schemas.microsoft.com/office/drawing/2014/main" id="{FAB66BA9-7207-87EB-6BC5-856133BB8083}"/>
               </a:ext>
             </a:extLst>
           </p:cNvPr>
@@ -2286,7 +2286,7 @@
           <p:cNvPr id="4" name="文本占位符 3">
             <a:extLst>
               <a:ext uri="{FF2B5EF4-FFF2-40B4-BE49-F238E27FC236}">
-                <a16:creationId xmlns:a16="http://schemas.microsoft.com/office/drawing/2014/main" id="{7898CB97-D05B-63D7-4CBD-AB4C7DF834DD}"/>
+                <a16:creationId xmlns:a16="http://schemas.microsoft.com/office/drawing/2014/main" id="{1C007C43-93E4-EB2D-6134-24EA80BD7D4D}"/>
               </a:ext>
             </a:extLst>
           </p:cNvPr>
@@ -2357,7 +2357,7 @@
           <p:cNvPr id="5" name="日期占位符 4">
             <a:extLst>
               <a:ext uri="{FF2B5EF4-FFF2-40B4-BE49-F238E27FC236}">
-                <a16:creationId xmlns:a16="http://schemas.microsoft.com/office/drawing/2014/main" id="{6550C261-9B99-DD5A-94DD-155DF97A8C5F}"/>
+                <a16:creationId xmlns:a16="http://schemas.microsoft.com/office/drawing/2014/main" id="{E2D67656-F18C-84AA-22F4-67AFD3ED9B6A}"/>
               </a:ext>
             </a:extLst>
           </p:cNvPr>
@@ -2373,7 +2373,7 @@
           <a:bodyPr/>
           <a:lstStyle/>
           <a:p>
-            <a:fld id="{B8584947-6B61-47C3-AF77-D9E317F5109A}" type="datetimeFigureOut">
+            <a:fld id="{896C7F00-411A-45AB-BAE6-8BFB80CA3F30}" type="datetimeFigureOut">
               <a:rPr lang="zh-CN" altLang="en-US" smtClean="0"/>
               <a:t>2024/3/10</a:t>
             </a:fld>
@@ -2386,7 +2386,7 @@
           <p:cNvPr id="6" name="页脚占位符 5">
             <a:extLst>
               <a:ext uri="{FF2B5EF4-FFF2-40B4-BE49-F238E27FC236}">
-                <a16:creationId xmlns:a16="http://schemas.microsoft.com/office/drawing/2014/main" id="{273A1860-A006-6063-9A1D-3357C34FAFDF}"/>
+                <a16:creationId xmlns:a16="http://schemas.microsoft.com/office/drawing/2014/main" id="{02F5A5E4-0ADE-432E-AC3C-83529A35F72F}"/>
               </a:ext>
             </a:extLst>
           </p:cNvPr>
@@ -2411,7 +2411,7 @@
           <p:cNvPr id="7" name="灯片编号占位符 6">
             <a:extLst>
               <a:ext uri="{FF2B5EF4-FFF2-40B4-BE49-F238E27FC236}">
-                <a16:creationId xmlns:a16="http://schemas.microsoft.com/office/drawing/2014/main" id="{FA204AEF-5C4E-2115-BBD1-EF3A1617D0D1}"/>
+                <a16:creationId xmlns:a16="http://schemas.microsoft.com/office/drawing/2014/main" id="{90015EBF-AFB6-D823-5718-4C76704BE61E}"/>
               </a:ext>
             </a:extLst>
           </p:cNvPr>
@@ -2427,7 +2427,7 @@
           <a:bodyPr/>
           <a:lstStyle/>
           <a:p>
-            <a:fld id="{67768B83-318F-4E20-A3CC-786F11965AD7}" type="slidenum">
+            <a:fld id="{09F11312-7203-4BF3-8878-09943595D477}" type="slidenum">
               <a:rPr lang="zh-CN" altLang="en-US" smtClean="0"/>
               <a:t>‹#›</a:t>
             </a:fld>
@@ -2438,7 +2438,7 @@
     </p:spTree>
     <p:extLst>
       <p:ext uri="{BB962C8B-B14F-4D97-AF65-F5344CB8AC3E}">
-        <p14:creationId xmlns:p14="http://schemas.microsoft.com/office/powerpoint/2010/main" val="1592313949"/>
+        <p14:creationId xmlns:p14="http://schemas.microsoft.com/office/powerpoint/2010/main" val="4140235905"/>
       </p:ext>
     </p:extLst>
   </p:cSld>
@@ -2470,7 +2470,7 @@
           <p:cNvPr id="2" name="标题 1">
             <a:extLst>
               <a:ext uri="{FF2B5EF4-FFF2-40B4-BE49-F238E27FC236}">
-                <a16:creationId xmlns:a16="http://schemas.microsoft.com/office/drawing/2014/main" id="{6F1C70F0-19C4-3BAE-63F7-84409255271E}"/>
+                <a16:creationId xmlns:a16="http://schemas.microsoft.com/office/drawing/2014/main" id="{3E22FF0F-A094-E6D6-4E57-53C8C23C7394}"/>
               </a:ext>
             </a:extLst>
           </p:cNvPr>
@@ -2507,7 +2507,7 @@
           <p:cNvPr id="3" name="图片占位符 2">
             <a:extLst>
               <a:ext uri="{FF2B5EF4-FFF2-40B4-BE49-F238E27FC236}">
-                <a16:creationId xmlns:a16="http://schemas.microsoft.com/office/drawing/2014/main" id="{4CB2A85A-91D8-30BE-E21C-33CDEAAB1899}"/>
+                <a16:creationId xmlns:a16="http://schemas.microsoft.com/office/drawing/2014/main" id="{EEB9CB69-0AB1-5E8F-F2F6-F0A513DFD49A}"/>
               </a:ext>
             </a:extLst>
           </p:cNvPr>
@@ -2574,7 +2574,7 @@
           <p:cNvPr id="4" name="文本占位符 3">
             <a:extLst>
               <a:ext uri="{FF2B5EF4-FFF2-40B4-BE49-F238E27FC236}">
-                <a16:creationId xmlns:a16="http://schemas.microsoft.com/office/drawing/2014/main" id="{D3864FF5-E97F-42D8-6675-A2FF8A85A9AA}"/>
+                <a16:creationId xmlns:a16="http://schemas.microsoft.com/office/drawing/2014/main" id="{DA6E9FD0-C40F-AEF8-689C-691FF5432A5C}"/>
               </a:ext>
             </a:extLst>
           </p:cNvPr>
@@ -2645,7 +2645,7 @@
           <p:cNvPr id="5" name="日期占位符 4">
             <a:extLst>
               <a:ext uri="{FF2B5EF4-FFF2-40B4-BE49-F238E27FC236}">
-                <a16:creationId xmlns:a16="http://schemas.microsoft.com/office/drawing/2014/main" id="{8A35FEDF-B79D-4DCF-2A3C-4A4222C3A816}"/>
+                <a16:creationId xmlns:a16="http://schemas.microsoft.com/office/drawing/2014/main" id="{81A192E4-87E7-24EC-A8F1-AEA41C25C875}"/>
               </a:ext>
             </a:extLst>
           </p:cNvPr>
@@ -2661,7 +2661,7 @@
           <a:bodyPr/>
           <a:lstStyle/>
           <a:p>
-            <a:fld id="{B8584947-6B61-47C3-AF77-D9E317F5109A}" type="datetimeFigureOut">
+            <a:fld id="{896C7F00-411A-45AB-BAE6-8BFB80CA3F30}" type="datetimeFigureOut">
               <a:rPr lang="zh-CN" altLang="en-US" smtClean="0"/>
               <a:t>2024/3/10</a:t>
             </a:fld>
@@ -2674,7 +2674,7 @@
           <p:cNvPr id="6" name="页脚占位符 5">
             <a:extLst>
               <a:ext uri="{FF2B5EF4-FFF2-40B4-BE49-F238E27FC236}">
-                <a16:creationId xmlns:a16="http://schemas.microsoft.com/office/drawing/2014/main" id="{A221868A-DAAA-A1C9-7E48-28A9ADFF4D68}"/>
+                <a16:creationId xmlns:a16="http://schemas.microsoft.com/office/drawing/2014/main" id="{0B470702-652E-028F-29FF-88DECEEA04F1}"/>
               </a:ext>
             </a:extLst>
           </p:cNvPr>
@@ -2699,7 +2699,7 @@
           <p:cNvPr id="7" name="灯片编号占位符 6">
             <a:extLst>
               <a:ext uri="{FF2B5EF4-FFF2-40B4-BE49-F238E27FC236}">
-                <a16:creationId xmlns:a16="http://schemas.microsoft.com/office/drawing/2014/main" id="{8E1BED2E-9ED0-7C47-451A-5126D5C6EB98}"/>
+                <a16:creationId xmlns:a16="http://schemas.microsoft.com/office/drawing/2014/main" id="{5F0532A3-F360-585F-711A-A0B1D2F7CA3A}"/>
               </a:ext>
             </a:extLst>
           </p:cNvPr>
@@ -2715,7 +2715,7 @@
           <a:bodyPr/>
           <a:lstStyle/>
           <a:p>
-            <a:fld id="{67768B83-318F-4E20-A3CC-786F11965AD7}" type="slidenum">
+            <a:fld id="{09F11312-7203-4BF3-8878-09943595D477}" type="slidenum">
               <a:rPr lang="zh-CN" altLang="en-US" smtClean="0"/>
               <a:t>‹#›</a:t>
             </a:fld>
@@ -2726,7 +2726,7 @@
     </p:spTree>
     <p:extLst>
       <p:ext uri="{BB962C8B-B14F-4D97-AF65-F5344CB8AC3E}">
-        <p14:creationId xmlns:p14="http://schemas.microsoft.com/office/powerpoint/2010/main" val="730667359"/>
+        <p14:creationId xmlns:p14="http://schemas.microsoft.com/office/powerpoint/2010/main" val="105272584"/>
       </p:ext>
     </p:extLst>
   </p:cSld>
@@ -2763,7 +2763,7 @@
           <p:cNvPr id="2" name="标题占位符 1">
             <a:extLst>
               <a:ext uri="{FF2B5EF4-FFF2-40B4-BE49-F238E27FC236}">
-                <a16:creationId xmlns:a16="http://schemas.microsoft.com/office/drawing/2014/main" id="{6DCD978D-8305-CED2-B2FC-58B2ED2504A4}"/>
+                <a16:creationId xmlns:a16="http://schemas.microsoft.com/office/drawing/2014/main" id="{A27A723E-F803-592B-383E-E0256D141862}"/>
               </a:ext>
             </a:extLst>
           </p:cNvPr>
@@ -2801,7 +2801,7 @@
           <p:cNvPr id="3" name="文本占位符 2">
             <a:extLst>
               <a:ext uri="{FF2B5EF4-FFF2-40B4-BE49-F238E27FC236}">
-                <a16:creationId xmlns:a16="http://schemas.microsoft.com/office/drawing/2014/main" id="{9BE0EF79-8E72-B3D5-917A-96D3102FC3F6}"/>
+                <a16:creationId xmlns:a16="http://schemas.microsoft.com/office/drawing/2014/main" id="{1FD30095-F122-ED47-4688-C8414AFE06F3}"/>
               </a:ext>
             </a:extLst>
           </p:cNvPr>
@@ -2868,7 +2868,7 @@
           <p:cNvPr id="4" name="日期占位符 3">
             <a:extLst>
               <a:ext uri="{FF2B5EF4-FFF2-40B4-BE49-F238E27FC236}">
-                <a16:creationId xmlns:a16="http://schemas.microsoft.com/office/drawing/2014/main" id="{05F291AC-3921-A1F6-96BF-7DC90525A6F8}"/>
+                <a16:creationId xmlns:a16="http://schemas.microsoft.com/office/drawing/2014/main" id="{B0797422-13E1-D16E-786C-30034D85EA01}"/>
               </a:ext>
             </a:extLst>
           </p:cNvPr>
@@ -2902,7 +2902,7 @@
             </a:lvl1pPr>
           </a:lstStyle>
           <a:p>
-            <a:fld id="{B8584947-6B61-47C3-AF77-D9E317F5109A}" type="datetimeFigureOut">
+            <a:fld id="{896C7F00-411A-45AB-BAE6-8BFB80CA3F30}" type="datetimeFigureOut">
               <a:rPr lang="zh-CN" altLang="en-US" smtClean="0"/>
               <a:t>2024/3/10</a:t>
             </a:fld>
@@ -2915,7 +2915,7 @@
           <p:cNvPr id="5" name="页脚占位符 4">
             <a:extLst>
               <a:ext uri="{FF2B5EF4-FFF2-40B4-BE49-F238E27FC236}">
-                <a16:creationId xmlns:a16="http://schemas.microsoft.com/office/drawing/2014/main" id="{B22308B2-DD53-D730-5CC2-E52AC3B66F40}"/>
+                <a16:creationId xmlns:a16="http://schemas.microsoft.com/office/drawing/2014/main" id="{48BE27BE-EA1E-70CC-EC21-A5C4D9F682B7}"/>
               </a:ext>
             </a:extLst>
           </p:cNvPr>
@@ -2958,7 +2958,7 @@
           <p:cNvPr id="6" name="灯片编号占位符 5">
             <a:extLst>
               <a:ext uri="{FF2B5EF4-FFF2-40B4-BE49-F238E27FC236}">
-                <a16:creationId xmlns:a16="http://schemas.microsoft.com/office/drawing/2014/main" id="{61308B02-8FDD-B064-5C4A-3D4C03A79103}"/>
+                <a16:creationId xmlns:a16="http://schemas.microsoft.com/office/drawing/2014/main" id="{46598B9E-CFA6-93F0-EA07-CDB0EF073341}"/>
               </a:ext>
             </a:extLst>
           </p:cNvPr>
@@ -2992,7 +2992,7 @@
             </a:lvl1pPr>
           </a:lstStyle>
           <a:p>
-            <a:fld id="{67768B83-318F-4E20-A3CC-786F11965AD7}" type="slidenum">
+            <a:fld id="{09F11312-7203-4BF3-8878-09943595D477}" type="slidenum">
               <a:rPr lang="zh-CN" altLang="en-US" smtClean="0"/>
               <a:t>‹#›</a:t>
             </a:fld>
@@ -3003,7 +3003,7 @@
     </p:spTree>
     <p:extLst>
       <p:ext uri="{BB962C8B-B14F-4D97-AF65-F5344CB8AC3E}">
-        <p14:creationId xmlns:p14="http://schemas.microsoft.com/office/powerpoint/2010/main" val="378339381"/>
+        <p14:creationId xmlns:p14="http://schemas.microsoft.com/office/powerpoint/2010/main" val="1713912373"/>
       </p:ext>
     </p:extLst>
   </p:cSld>
@@ -3323,7 +3323,7 @@
       </p:grpSpPr>
       <p:pic>
         <p:nvPicPr>
-          <p:cNvPr id="243714" name="Picture 2" descr="237"/>
+          <p:cNvPr id="244738" name="Picture 2" descr="238"/>
           <p:cNvPicPr>
             <a:picLocks noChangeAspect="1" noChangeArrowheads="1"/>
           </p:cNvPicPr>
@@ -3345,7 +3345,7 @@
         <p:spPr bwMode="auto">
           <a:xfrm>
             <a:off x="1524000" y="0"/>
-            <a:ext cx="9144000" cy="6858000"/>
+            <a:ext cx="9144000" cy="6859588"/>
           </a:xfrm>
           <a:prstGeom prst="rect">
             <a:avLst/>
@@ -3377,7 +3377,7 @@
       </p:pic>
       <p:pic>
         <p:nvPicPr>
-          <p:cNvPr id="244739" name="Picture 3" descr="237-2"/>
+          <p:cNvPr id="245763" name="Picture 3" descr="238-2"/>
           <p:cNvPicPr>
             <a:picLocks noChangeAspect="1" noChangeArrowheads="1"/>
           </p:cNvPicPr>
@@ -3398,8 +3398,8 @@
         </p:blipFill>
         <p:spPr bwMode="auto">
           <a:xfrm>
-            <a:off x="1560513" y="0"/>
-            <a:ext cx="9144000" cy="6858000"/>
+            <a:off x="1524000" y="1"/>
+            <a:ext cx="9144000" cy="6861175"/>
           </a:xfrm>
           <a:prstGeom prst="rect">
             <a:avLst/>
@@ -3478,7 +3478,7 @@
                                           </p:stCondLst>
                                         </p:cTn>
                                         <p:tgtEl>
-                                          <p:spTgt spid="244739"/>
+                                          <p:spTgt spid="245763"/>
                                         </p:tgtEl>
                                         <p:attrNameLst>
                                           <p:attrName>style.visibility</p:attrName>
@@ -3492,7 +3492,7 @@
                                       <p:cBhvr>
                                         <p:cTn id="7" dur="500"/>
                                         <p:tgtEl>
-                                          <p:spTgt spid="244739"/>
+                                          <p:spTgt spid="245763"/>
                                         </p:tgtEl>
                                       </p:cBhvr>
                                     </p:animEffect>
